--- a/Software Engineering/00-Software-Engineering-Maz.pptx
+++ b/Software Engineering/00-Software-Engineering-Maz.pptx
@@ -39,11 +39,9 @@
     <p:sldId id="284" r:id="rId33"/>
     <p:sldId id="285" r:id="rId34"/>
     <p:sldId id="289" r:id="rId35"/>
-    <p:sldId id="292" r:id="rId36"/>
-    <p:sldId id="293" r:id="rId37"/>
-    <p:sldId id="294" r:id="rId38"/>
-    <p:sldId id="288" r:id="rId39"/>
-    <p:sldId id="286" r:id="rId40"/>
+    <p:sldId id="294" r:id="rId36"/>
+    <p:sldId id="288" r:id="rId37"/>
+    <p:sldId id="286" r:id="rId38"/>
   </p:sldIdLst>
   <p:sldSz cx="12192000" cy="6858000"/>
   <p:notesSz cx="6858000" cy="9144000"/>
@@ -148,6 +146,96 @@
     </p:ext>
   </p:extLst>
 </p:presentation>
+</file>
+
+<file path=ppt/ink/ink1.xml><?xml version="1.0" encoding="utf-8"?>
+<inkml:ink xmlns:inkml="http://www.w3.org/2003/InkML">
+  <inkml:definitions>
+    <inkml:context xml:id="ctx0">
+      <inkml:inkSource xml:id="inkSrc0">
+        <inkml:traceFormat>
+          <inkml:channel name="X" type="integer" max="2944" units="cm"/>
+          <inkml:channel name="Y" type="integer" max="1080" units="cm"/>
+          <inkml:channel name="T" type="integer" max="2.14748E9" units="dev"/>
+        </inkml:traceFormat>
+        <inkml:channelProperties>
+          <inkml:channelProperty channel="X" name="resolution" value="85.5814" units="1/cm"/>
+          <inkml:channelProperty channel="Y" name="resolution" value="55.6701" units="1/cm"/>
+          <inkml:channelProperty channel="T" name="resolution" value="1" units="1/dev"/>
+        </inkml:channelProperties>
+      </inkml:inkSource>
+      <inkml:timestamp xml:id="ts0" timeString="2024-11-13T06:56:04.583"/>
+    </inkml:context>
+    <inkml:brush xml:id="br0">
+      <inkml:brushProperty name="width" value="0.05292" units="cm"/>
+      <inkml:brushProperty name="height" value="0.05292" units="cm"/>
+      <inkml:brushProperty name="color" value="#FF0000"/>
+    </inkml:brush>
+  </inkml:definitions>
+  <inkml:trace contextRef="#ctx0" brushRef="#br0">10799 12012 0,'0'28'63,"56"-28"-32,-27 0-15,-1 0-16,85 0 15,170 0 1,254 0 0,-28 0-1,169 0 1,29 0 0,-113 0 15,-114 0-16,-84 0 1,28 0 0,-141 0-1,-170 0-15,-28 0 16,112 0 0</inkml:trace>
+</inkml:ink>
+</file>
+
+<file path=ppt/ink/ink2.xml><?xml version="1.0" encoding="utf-8"?>
+<inkml:ink xmlns:inkml="http://www.w3.org/2003/InkML">
+  <inkml:definitions>
+    <inkml:context xml:id="ctx0">
+      <inkml:inkSource xml:id="inkSrc0">
+        <inkml:traceFormat>
+          <inkml:channel name="X" type="integer" max="2944" units="cm"/>
+          <inkml:channel name="Y" type="integer" max="1080" units="cm"/>
+          <inkml:channel name="T" type="integer" max="2.14748E9" units="dev"/>
+        </inkml:traceFormat>
+        <inkml:channelProperties>
+          <inkml:channelProperty channel="X" name="resolution" value="85.5814" units="1/cm"/>
+          <inkml:channelProperty channel="Y" name="resolution" value="55.6701" units="1/cm"/>
+          <inkml:channelProperty channel="T" name="resolution" value="1" units="1/dev"/>
+        </inkml:channelProperties>
+      </inkml:inkSource>
+      <inkml:timestamp xml:id="ts0" timeString="2024-11-13T07:22:31.982"/>
+    </inkml:context>
+    <inkml:brush xml:id="br0">
+      <inkml:brushProperty name="width" value="0.05292" units="cm"/>
+      <inkml:brushProperty name="height" value="0.05292" units="cm"/>
+      <inkml:brushProperty name="color" value="#FF0000"/>
+    </inkml:brush>
+  </inkml:definitions>
+  <inkml:trace contextRef="#ctx0" brushRef="#br0">2883 6190 0,'29'0'47,"-1"0"-32,0 0-15,1 0 16,27 0 0,57 0-1,29 0 1,27 28-1,-28-28 1,-84 0 0,0 28-16,56-28 15,-57 0 1,-28 0 0,29 0 15,-29 0-16,1 0 1,-1 0 15,0 0 1,0 0-32,29 0 15,28 0 1,-29 0-16,1 0 15,-1 0 1,1 0 0,-29 0-1,0 0 1,29 0 0,-29 0 15,29-28 0,-1 0-15,-27 28-1,-1 0 32,28 0-31,-27-29-1,27 29 1,-28-28 0,29 28-1,-1 0 1,1 0 0,-29 0-1,1 0-15,27 0 16,29-28 15</inkml:trace>
+  <inkml:trace contextRef="#ctx0" brushRef="#br0" timeOffset="52219.95">20750 8196 0,'0'29'15,"28"-29"1,29 0 0,-29 0-1,28 0-15,29 0 16,-28 0 0,-1 0-1,-28 0 1,1 0-1,27 0 17,29 0-17,-28 0 1,-29 0-16,85 0 31,-28 28-15,28 28-1,-85-56 32,0 0-31,1 0 0,-29-28-1,28 0 16,0 28 63</inkml:trace>
+  <inkml:trace contextRef="#ctx0" brushRef="#br0" timeOffset="53305.93">20948 6246 0,'28'0'63,"-28"28"-48,56-28 1,1 29-16,56-1 16,0 0 15,-28 0-16,28-28 1,-56 0 0,-1 29-1,1-29 1,-29 0 0,28 0-1,1 0 1,56-29-1,-56 29 1,-1-28 0,1 0-1,-29 28 17</inkml:trace>
+  <inkml:trace contextRef="#ctx0" brushRef="#br0" timeOffset="70634.22">2968 7179 0,'29'0'94,"-1"0"-78,0 0-1,0-28 1,1 28-1,-1 0 1,0 0 15,0 0-15,1 0 15,-1 0 0,0 0-15,1 0-16,-1 0 31,0 0-15,0 0 0,1 0-1,-1 0 1,0 0-1,0 0 1,1 0 0,-1 0-1,0 0 1,0 0 15,1 0-31,-1 0 16,29 0-1,-1 0 1,-28 0 0,1 0 62,-1-29-63,0 29 1,0 0 31,1 0-31,-1 0-1,29 0 1,-1 0 15,1 0-31,-1 0 16,-28 0 46,1 0-46,-1 0-1,0 0 32,29 0-31,-29 0 15,0 0-15,1 0-16,-1 0 15,28 0 1,-27 0-16,-1 0 16,0 0-16,29 0 31,28 0-15,-57 0-1,0 0 1,29 0 31,-29 0-32,0 0 17,0 0-1,1 0-16,-1 0 1,0 0 0,0 0 46,1 0-31,-1 0-31,0 0 32,1 0-32,-1 0 31,0 0 31,0 0-46,1 0 0,-1 0-1,0 0 48,0 0-32,1-28 0,-1 28 63,0 0-16,1 0 0,-1 0-31,0 0 0,0-28 16</inkml:trace>
+  <inkml:trace contextRef="#ctx0" brushRef="#br0" timeOffset="146563.03">23888 6303 0,'56'0'47,"-28"0"-32,29 0 1,-29 0 15,0 0 16,1 0-31,56 0-1,-29 0 1,1 0-16,-29 0 15,28 0 1,1 0 0,-29 0 46,1 0-62,-1 0 0,113 0 16,0 0-1,-112 0 1,27 0 62,1 0-62,-1 0 15,-27 0 0,-1 0 63,0 0-94,0 0 16</inkml:trace>
+  <inkml:trace contextRef="#ctx0" brushRef="#br0" timeOffset="148195.63">23859 9807 0,'29'0'47,"27"0"-32,1 29-15,-29-1 16,57-28 0,28 28-1,0-28 1,28 28-1,-28 1 1,-28-29 0,28 28 15,-56 0-31,-29-28 16,85 0-1,-28 0 1,-57 0-1,29 0 1,-29 0 15,0 0-15,1 0 0,-1 0-1,0 0 1,0 0-1</inkml:trace>
+  <inkml:trace contextRef="#ctx0" brushRef="#br0" timeOffset="199777.86">26121 4861 0,'28'0'125,"0"0"-125,1 0 16,27 0-1,-28 28 1,57-28 0,0 29-1,-57-29 1,1 0-1,27 28 1,-28 0 0,1-28-1,-1 0 1,0 0 0,1 0-1,27 29-15,1-1 16,84-28-1,-28 0 1,28 0 0,-84 0 15,-29 0-15,0 0 46,57 0-62,-56 0 16,27-28-1,-28-1 1,57 1 0,-57 0-1,57-1 1,-28 1-1,28 0 1,-57 28 0,57-57-1,-29 29 1,29-28 15,-28 27-15,-1 29-16,29-56 15,0 28 1,-29-1 0,-28 29-1,57-56 1,-56 28 0,84-29-1,-29-28 1,-27 29-1,-29 27 1,1-27 0,-1-1-1,0-56 17,-28 0-17,0 28 1,0 29-1,0-29 1,-28 29 0,0-29-1,-29-28 1,-56 28 0,56 0-1,1 29 1,-29-1-1,-56 1 1,28-29 0,-29 28-1,57 1 1,-84-1 0,56 1-1,0 27 16,0 1-15,56 28 0,-28-28-1,-28 28 1,-56 0 0,-114 0-1,113 0 1,57 0-1,57 56 1,27-27 0,-84-29-1,57 28 1,-57 28 0,-57 29 15,85-56-31,-28 27 31,57 29-15,27-85-1,29 56 1,0-27 0,-28 27-1,28 1 1,0 27-1,0-27 1,0 28 0,0 0-1,0-57 1,0 0 0,0 29-1,0 27 1,0-55-1,0 27 1,0-28 0,0 29 15,0-29-15,0 1-1,0-1 1,28 57-1,29-57 1,-1 85 0,1-85-1,-57 0-15,28 1 16,29 56 0,-57-1 15,28-55-31,29-1 15,-29 57 17,0-85-1,0 28-15,1 0-1,-1-28 48,0 0-32,29 0 63</inkml:trace>
+</inkml:ink>
+</file>
+
+<file path=ppt/ink/ink3.xml><?xml version="1.0" encoding="utf-8"?>
+<inkml:ink xmlns:inkml="http://www.w3.org/2003/InkML">
+  <inkml:definitions>
+    <inkml:context xml:id="ctx0">
+      <inkml:inkSource xml:id="inkSrc0">
+        <inkml:traceFormat>
+          <inkml:channel name="X" type="integer" max="2944" units="cm"/>
+          <inkml:channel name="Y" type="integer" max="1080" units="cm"/>
+          <inkml:channel name="T" type="integer" max="2.14748E9" units="dev"/>
+        </inkml:traceFormat>
+        <inkml:channelProperties>
+          <inkml:channelProperty channel="X" name="resolution" value="85.5814" units="1/cm"/>
+          <inkml:channelProperty channel="Y" name="resolution" value="55.6701" units="1/cm"/>
+          <inkml:channelProperty channel="T" name="resolution" value="1" units="1/dev"/>
+        </inkml:channelProperties>
+      </inkml:inkSource>
+      <inkml:timestamp xml:id="ts0" timeString="2024-11-13T07:27:00.987"/>
+    </inkml:context>
+    <inkml:brush xml:id="br0">
+      <inkml:brushProperty name="width" value="0.05292" units="cm"/>
+      <inkml:brushProperty name="height" value="0.05292" units="cm"/>
+      <inkml:brushProperty name="color" value="#FF0000"/>
+    </inkml:brush>
+  </inkml:definitions>
+  <inkml:trace contextRef="#ctx0" brushRef="#br0">26856 9949 0,'85'0'47,"28"0"-47,-28 0 16,56 0-16,170 0 31,-85 0-15,-28 0-1,-113 0 1,-29 0 0,1 0 31,-29 0-32,0 0-15,29 0 16,-1 0-16,57 0 15,-56 0 1,0 0 0,-29 0-1,0 0 1,0 0 78,1 0-79</inkml:trace>
+</inkml:ink>
 </file>
 
 <file path=ppt/slideLayouts/slideLayout1.xml><?xml version="1.0" encoding="utf-8"?>
@@ -338,7 +426,7 @@
           <a:p>
             <a:fld id="{42305248-1DF7-4991-A546-26B222278BBF}" type="datetimeFigureOut">
               <a:rPr lang="en-US" smtClean="0"/>
-              <a:t>11/12/2024</a:t>
+              <a:t>11/13/2024</a:t>
             </a:fld>
             <a:endParaRPr lang="en-US"/>
           </a:p>
@@ -676,7 +764,7 @@
           <a:p>
             <a:fld id="{42305248-1DF7-4991-A546-26B222278BBF}" type="datetimeFigureOut">
               <a:rPr lang="en-US" smtClean="0"/>
-              <a:t>11/12/2024</a:t>
+              <a:t>11/13/2024</a:t>
             </a:fld>
             <a:endParaRPr lang="en-US"/>
           </a:p>
@@ -1077,7 +1165,7 @@
           <a:p>
             <a:fld id="{42305248-1DF7-4991-A546-26B222278BBF}" type="datetimeFigureOut">
               <a:rPr lang="en-US" smtClean="0"/>
-              <a:t>11/12/2024</a:t>
+              <a:t>11/13/2024</a:t>
             </a:fld>
             <a:endParaRPr lang="en-US"/>
           </a:p>
@@ -1413,7 +1501,7 @@
           <a:p>
             <a:fld id="{42305248-1DF7-4991-A546-26B222278BBF}" type="datetimeFigureOut">
               <a:rPr lang="en-US" smtClean="0"/>
-              <a:t>11/12/2024</a:t>
+              <a:t>11/13/2024</a:t>
             </a:fld>
             <a:endParaRPr lang="en-US"/>
           </a:p>
@@ -1733,7 +1821,7 @@
           <a:p>
             <a:fld id="{42305248-1DF7-4991-A546-26B222278BBF}" type="datetimeFigureOut">
               <a:rPr lang="en-US" smtClean="0"/>
-              <a:t>11/12/2024</a:t>
+              <a:t>11/13/2024</a:t>
             </a:fld>
             <a:endParaRPr lang="en-US"/>
           </a:p>
@@ -2129,7 +2217,7 @@
           <a:p>
             <a:fld id="{42305248-1DF7-4991-A546-26B222278BBF}" type="datetimeFigureOut">
               <a:rPr lang="en-US" smtClean="0"/>
-              <a:t>11/12/2024</a:t>
+              <a:t>11/13/2024</a:t>
             </a:fld>
             <a:endParaRPr lang="en-US"/>
           </a:p>
@@ -2386,7 +2474,7 @@
           <a:p>
             <a:fld id="{42305248-1DF7-4991-A546-26B222278BBF}" type="datetimeFigureOut">
               <a:rPr lang="en-US" smtClean="0"/>
-              <a:t>11/12/2024</a:t>
+              <a:t>11/13/2024</a:t>
             </a:fld>
             <a:endParaRPr lang="en-US"/>
           </a:p>
@@ -2648,7 +2736,7 @@
           <a:p>
             <a:fld id="{42305248-1DF7-4991-A546-26B222278BBF}" type="datetimeFigureOut">
               <a:rPr lang="en-US" smtClean="0"/>
-              <a:t>11/12/2024</a:t>
+              <a:t>11/13/2024</a:t>
             </a:fld>
             <a:endParaRPr lang="en-US"/>
           </a:p>
@@ -2910,7 +2998,7 @@
           <a:p>
             <a:fld id="{42305248-1DF7-4991-A546-26B222278BBF}" type="datetimeFigureOut">
               <a:rPr lang="en-US" smtClean="0"/>
-              <a:t>11/12/2024</a:t>
+              <a:t>11/13/2024</a:t>
             </a:fld>
             <a:endParaRPr lang="en-US"/>
           </a:p>
@@ -3239,7 +3327,7 @@
           <a:p>
             <a:fld id="{42305248-1DF7-4991-A546-26B222278BBF}" type="datetimeFigureOut">
               <a:rPr lang="en-US" smtClean="0"/>
-              <a:t>11/12/2024</a:t>
+              <a:t>11/13/2024</a:t>
             </a:fld>
             <a:endParaRPr lang="en-US"/>
           </a:p>
@@ -3562,7 +3650,7 @@
           <a:p>
             <a:fld id="{42305248-1DF7-4991-A546-26B222278BBF}" type="datetimeFigureOut">
               <a:rPr lang="en-US" smtClean="0"/>
-              <a:t>11/12/2024</a:t>
+              <a:t>11/13/2024</a:t>
             </a:fld>
             <a:endParaRPr lang="en-US"/>
           </a:p>
@@ -4019,7 +4107,7 @@
           <a:p>
             <a:fld id="{42305248-1DF7-4991-A546-26B222278BBF}" type="datetimeFigureOut">
               <a:rPr lang="en-US" smtClean="0"/>
-              <a:t>11/12/2024</a:t>
+              <a:t>11/13/2024</a:t>
             </a:fld>
             <a:endParaRPr lang="en-US"/>
           </a:p>
@@ -4224,7 +4312,7 @@
           <a:p>
             <a:fld id="{42305248-1DF7-4991-A546-26B222278BBF}" type="datetimeFigureOut">
               <a:rPr lang="en-US" smtClean="0"/>
-              <a:t>11/12/2024</a:t>
+              <a:t>11/13/2024</a:t>
             </a:fld>
             <a:endParaRPr lang="en-US"/>
           </a:p>
@@ -4401,7 +4489,7 @@
           <a:p>
             <a:fld id="{42305248-1DF7-4991-A546-26B222278BBF}" type="datetimeFigureOut">
               <a:rPr lang="en-US" smtClean="0"/>
-              <a:t>11/12/2024</a:t>
+              <a:t>11/13/2024</a:t>
             </a:fld>
             <a:endParaRPr lang="en-US"/>
           </a:p>
@@ -4734,7 +4822,7 @@
           <a:p>
             <a:fld id="{42305248-1DF7-4991-A546-26B222278BBF}" type="datetimeFigureOut">
               <a:rPr lang="en-US" smtClean="0"/>
-              <a:t>11/12/2024</a:t>
+              <a:t>11/13/2024</a:t>
             </a:fld>
             <a:endParaRPr lang="en-US"/>
           </a:p>
@@ -5079,7 +5167,7 @@
           <a:p>
             <a:fld id="{42305248-1DF7-4991-A546-26B222278BBF}" type="datetimeFigureOut">
               <a:rPr lang="en-US" smtClean="0"/>
-              <a:t>11/12/2024</a:t>
+              <a:t>11/13/2024</a:t>
             </a:fld>
             <a:endParaRPr lang="en-US"/>
           </a:p>
@@ -7196,7 +7284,7 @@
           <a:p>
             <a:fld id="{42305248-1DF7-4991-A546-26B222278BBF}" type="datetimeFigureOut">
               <a:rPr lang="en-US" smtClean="0"/>
-              <a:t>11/12/2024</a:t>
+              <a:t>11/13/2024</a:t>
             </a:fld>
             <a:endParaRPr lang="en-US"/>
           </a:p>
@@ -7750,6 +7838,57 @@
           </a:prstGeom>
         </p:spPr>
       </p:pic>
+      <mc:AlternateContent xmlns:mc="http://schemas.openxmlformats.org/markup-compatibility/2006">
+        <mc:Choice xmlns:p14="http://schemas.microsoft.com/office/powerpoint/2010/main" Requires="p14">
+          <p:contentPart p14:bwMode="auto" r:id="rId3">
+            <p14:nvContentPartPr>
+              <p14:cNvPr id="2" name="Ink 1">
+                <a:extLst>
+                  <a:ext uri="{FF2B5EF4-FFF2-40B4-BE49-F238E27FC236}">
+                    <a16:creationId xmlns:a16="http://schemas.microsoft.com/office/drawing/2014/main" id="{AAFE7A28-B5E1-4022-B4BF-5F92226B8B7D}"/>
+                  </a:ext>
+                </a:extLst>
+              </p14:cNvPr>
+              <p14:cNvContentPartPr/>
+              <p14:nvPr/>
+            </p14:nvContentPartPr>
+            <p14:xfrm>
+              <a:off x="3887640" y="4324320"/>
+              <a:ext cx="1984680" cy="10440"/>
+            </p14:xfrm>
+          </p:contentPart>
+        </mc:Choice>
+        <mc:Fallback>
+          <p:pic>
+            <p:nvPicPr>
+              <p:cNvPr id="2" name="Ink 1">
+                <a:extLst>
+                  <a:ext uri="{FF2B5EF4-FFF2-40B4-BE49-F238E27FC236}">
+                    <a16:creationId xmlns:a16="http://schemas.microsoft.com/office/drawing/2014/main" id="{AAFE7A28-B5E1-4022-B4BF-5F92226B8B7D}"/>
+                  </a:ext>
+                </a:extLst>
+              </p:cNvPr>
+              <p:cNvPicPr/>
+              <p:nvPr/>
+            </p:nvPicPr>
+            <p:blipFill>
+              <a:blip r:embed="rId4"/>
+              <a:stretch>
+                <a:fillRect/>
+              </a:stretch>
+            </p:blipFill>
+            <p:spPr>
+              <a:xfrm>
+                <a:off x="3878280" y="4314960"/>
+                <a:ext cx="2003400" cy="29160"/>
+              </a:xfrm>
+              <a:prstGeom prst="rect">
+                <a:avLst/>
+              </a:prstGeom>
+            </p:spPr>
+          </p:pic>
+        </mc:Fallback>
+      </mc:AlternateContent>
     </p:spTree>
     <p:extLst>
       <p:ext uri="{BB962C8B-B14F-4D97-AF65-F5344CB8AC3E}">
@@ -8690,8 +8829,8 @@
         </p:blipFill>
         <p:spPr>
           <a:xfrm>
-            <a:off x="3162299" y="2066925"/>
-            <a:ext cx="5867400" cy="3429000"/>
+            <a:off x="2149288" y="1637980"/>
+            <a:ext cx="8518712" cy="4978468"/>
           </a:xfrm>
           <a:prstGeom prst="rect">
             <a:avLst/>
@@ -11617,66 +11756,60 @@
           <a:chExt cx="0" cy="0"/>
         </a:xfrm>
       </p:grpSpPr>
-    </p:spTree>
-    <p:extLst>
-      <p:ext uri="{BB962C8B-B14F-4D97-AF65-F5344CB8AC3E}">
-        <p14:creationId xmlns:p14="http://schemas.microsoft.com/office/powerpoint/2010/main" val="3737262003"/>
-      </p:ext>
-    </p:extLst>
-  </p:cSld>
-  <p:clrMapOvr>
-    <a:masterClrMapping/>
-  </p:clrMapOvr>
-</p:sld>
-</file>
-
-<file path=ppt/slides/slide36.xml><?xml version="1.0" encoding="utf-8"?>
-<p:sld xmlns:a="http://schemas.openxmlformats.org/drawingml/2006/main" xmlns:r="http://schemas.openxmlformats.org/officeDocument/2006/relationships" xmlns:p="http://schemas.openxmlformats.org/presentationml/2006/main">
-  <p:cSld>
-    <p:spTree>
-      <p:nvGrpSpPr>
-        <p:cNvPr id="1" name=""/>
-        <p:cNvGrpSpPr/>
-        <p:nvPr/>
-      </p:nvGrpSpPr>
-      <p:grpSpPr>
-        <a:xfrm>
-          <a:off x="0" y="0"/>
-          <a:ext cx="0" cy="0"/>
-          <a:chOff x="0" y="0"/>
-          <a:chExt cx="0" cy="0"/>
-        </a:xfrm>
-      </p:grpSpPr>
-    </p:spTree>
-    <p:extLst>
-      <p:ext uri="{BB962C8B-B14F-4D97-AF65-F5344CB8AC3E}">
-        <p14:creationId xmlns:p14="http://schemas.microsoft.com/office/powerpoint/2010/main" val="2107486837"/>
-      </p:ext>
-    </p:extLst>
-  </p:cSld>
-  <p:clrMapOvr>
-    <a:masterClrMapping/>
-  </p:clrMapOvr>
-</p:sld>
-</file>
-
-<file path=ppt/slides/slide37.xml><?xml version="1.0" encoding="utf-8"?>
-<p:sld xmlns:a="http://schemas.openxmlformats.org/drawingml/2006/main" xmlns:r="http://schemas.openxmlformats.org/officeDocument/2006/relationships" xmlns:p="http://schemas.openxmlformats.org/presentationml/2006/main">
-  <p:cSld>
-    <p:spTree>
-      <p:nvGrpSpPr>
-        <p:cNvPr id="1" name=""/>
-        <p:cNvGrpSpPr/>
-        <p:nvPr/>
-      </p:nvGrpSpPr>
-      <p:grpSpPr>
-        <a:xfrm>
-          <a:off x="0" y="0"/>
-          <a:ext cx="0" cy="0"/>
-          <a:chOff x="0" y="0"/>
-          <a:chExt cx="0" cy="0"/>
-        </a:xfrm>
-      </p:grpSpPr>
+      <p:sp>
+        <p:nvSpPr>
+          <p:cNvPr id="2" name="Rectangle 1">
+            <a:extLst>
+              <a:ext uri="{FF2B5EF4-FFF2-40B4-BE49-F238E27FC236}">
+                <a16:creationId xmlns:a16="http://schemas.microsoft.com/office/drawing/2014/main" id="{21E70E99-B0F1-4A69-868F-5AEF762BDA16}"/>
+              </a:ext>
+            </a:extLst>
+          </p:cNvPr>
+          <p:cNvSpPr/>
+          <p:nvPr/>
+        </p:nvSpPr>
+        <p:spPr>
+          <a:xfrm>
+            <a:off x="5150869" y="2814935"/>
+            <a:ext cx="1890262" cy="923330"/>
+          </a:xfrm>
+          <a:prstGeom prst="rect">
+            <a:avLst/>
+          </a:prstGeom>
+          <a:noFill/>
+        </p:spPr>
+        <p:txBody>
+          <a:bodyPr wrap="none" lIns="91440" tIns="45720" rIns="91440" bIns="45720">
+            <a:spAutoFit/>
+          </a:bodyPr>
+          <a:lstStyle/>
+          <a:p>
+            <a:pPr algn="ctr"/>
+            <a:r>
+              <a:rPr lang="en-US" sz="5400" b="1" cap="none" spc="0" dirty="0">
+                <a:ln w="13462">
+                  <a:solidFill>
+                    <a:schemeClr val="bg1"/>
+                  </a:solidFill>
+                  <a:prstDash val="solid"/>
+                </a:ln>
+                <a:solidFill>
+                  <a:schemeClr val="tx1">
+                    <a:lumMod val="85000"/>
+                    <a:lumOff val="15000"/>
+                  </a:schemeClr>
+                </a:solidFill>
+                <a:effectLst>
+                  <a:outerShdw dist="38100" dir="2700000" algn="bl" rotWithShape="0">
+                    <a:schemeClr val="accent5"/>
+                  </a:outerShdw>
+                </a:effectLst>
+              </a:rPr>
+              <a:t>Etc…</a:t>
+            </a:r>
+          </a:p>
+        </p:txBody>
+      </p:sp>
     </p:spTree>
     <p:extLst>
       <p:ext uri="{BB962C8B-B14F-4D97-AF65-F5344CB8AC3E}">
@@ -11690,7 +11823,7 @@
 </p:sld>
 </file>
 
-<file path=ppt/slides/slide38.xml><?xml version="1.0" encoding="utf-8"?>
+<file path=ppt/slides/slide36.xml><?xml version="1.0" encoding="utf-8"?>
 <p:sld xmlns:a="http://schemas.openxmlformats.org/drawingml/2006/main" xmlns:r="http://schemas.openxmlformats.org/officeDocument/2006/relationships" xmlns:p="http://schemas.openxmlformats.org/presentationml/2006/main">
   <p:cSld>
     <p:spTree>
@@ -11774,7 +11907,7 @@
 </p:sld>
 </file>
 
-<file path=ppt/slides/slide39.xml><?xml version="1.0" encoding="utf-8"?>
+<file path=ppt/slides/slide37.xml><?xml version="1.0" encoding="utf-8"?>
 <p:sld xmlns:a="http://schemas.openxmlformats.org/drawingml/2006/main" xmlns:r="http://schemas.openxmlformats.org/officeDocument/2006/relationships" xmlns:p="http://schemas.openxmlformats.org/presentationml/2006/main">
   <p:cSld>
     <p:spTree>
@@ -12259,6 +12392,108 @@
           </a:prstGeom>
         </p:spPr>
       </p:pic>
+      <mc:AlternateContent xmlns:mc="http://schemas.openxmlformats.org/markup-compatibility/2006">
+        <mc:Choice xmlns:p14="http://schemas.microsoft.com/office/powerpoint/2010/main" Requires="p14">
+          <p:contentPart p14:bwMode="auto" r:id="rId3">
+            <p14:nvContentPartPr>
+              <p14:cNvPr id="2" name="Ink 1">
+                <a:extLst>
+                  <a:ext uri="{FF2B5EF4-FFF2-40B4-BE49-F238E27FC236}">
+                    <a16:creationId xmlns:a16="http://schemas.microsoft.com/office/drawing/2014/main" id="{D64A73EE-4CF9-43E7-87F5-D0572B24ED5D}"/>
+                  </a:ext>
+                </a:extLst>
+              </p14:cNvPr>
+              <p14:cNvContentPartPr/>
+              <p14:nvPr/>
+            </p14:nvContentPartPr>
+            <p14:xfrm>
+              <a:off x="1037880" y="966600"/>
+              <a:ext cx="9393840" cy="2635560"/>
+            </p14:xfrm>
+          </p:contentPart>
+        </mc:Choice>
+        <mc:Fallback>
+          <p:pic>
+            <p:nvPicPr>
+              <p:cNvPr id="2" name="Ink 1">
+                <a:extLst>
+                  <a:ext uri="{FF2B5EF4-FFF2-40B4-BE49-F238E27FC236}">
+                    <a16:creationId xmlns:a16="http://schemas.microsoft.com/office/drawing/2014/main" id="{D64A73EE-4CF9-43E7-87F5-D0572B24ED5D}"/>
+                  </a:ext>
+                </a:extLst>
+              </p:cNvPr>
+              <p:cNvPicPr/>
+              <p:nvPr/>
+            </p:nvPicPr>
+            <p:blipFill>
+              <a:blip r:embed="rId4"/>
+              <a:stretch>
+                <a:fillRect/>
+              </a:stretch>
+            </p:blipFill>
+            <p:spPr>
+              <a:xfrm>
+                <a:off x="1028520" y="957240"/>
+                <a:ext cx="9412560" cy="2654280"/>
+              </a:xfrm>
+              <a:prstGeom prst="rect">
+                <a:avLst/>
+              </a:prstGeom>
+            </p:spPr>
+          </p:pic>
+        </mc:Fallback>
+      </mc:AlternateContent>
+      <mc:AlternateContent xmlns:mc="http://schemas.openxmlformats.org/markup-compatibility/2006">
+        <mc:Choice xmlns:p14="http://schemas.microsoft.com/office/powerpoint/2010/main" Requires="p14">
+          <p:contentPart p14:bwMode="auto" r:id="rId5">
+            <p14:nvContentPartPr>
+              <p14:cNvPr id="5" name="Ink 4">
+                <a:extLst>
+                  <a:ext uri="{FF2B5EF4-FFF2-40B4-BE49-F238E27FC236}">
+                    <a16:creationId xmlns:a16="http://schemas.microsoft.com/office/drawing/2014/main" id="{A72062DF-69D8-4EDC-B4AB-592BD0DA5145}"/>
+                  </a:ext>
+                </a:extLst>
+              </p14:cNvPr>
+              <p14:cNvContentPartPr/>
+              <p14:nvPr/>
+            </p14:nvContentPartPr>
+            <p14:xfrm>
+              <a:off x="9668160" y="3581640"/>
+              <a:ext cx="672120" cy="360"/>
+            </p14:xfrm>
+          </p:contentPart>
+        </mc:Choice>
+        <mc:Fallback>
+          <p:pic>
+            <p:nvPicPr>
+              <p:cNvPr id="5" name="Ink 4">
+                <a:extLst>
+                  <a:ext uri="{FF2B5EF4-FFF2-40B4-BE49-F238E27FC236}">
+                    <a16:creationId xmlns:a16="http://schemas.microsoft.com/office/drawing/2014/main" id="{A72062DF-69D8-4EDC-B4AB-592BD0DA5145}"/>
+                  </a:ext>
+                </a:extLst>
+              </p:cNvPr>
+              <p:cNvPicPr/>
+              <p:nvPr/>
+            </p:nvPicPr>
+            <p:blipFill>
+              <a:blip r:embed="rId6"/>
+              <a:stretch>
+                <a:fillRect/>
+              </a:stretch>
+            </p:blipFill>
+            <p:spPr>
+              <a:xfrm>
+                <a:off x="9658800" y="3572280"/>
+                <a:ext cx="690840" cy="19080"/>
+              </a:xfrm>
+              <a:prstGeom prst="rect">
+                <a:avLst/>
+              </a:prstGeom>
+            </p:spPr>
+          </p:pic>
+        </mc:Fallback>
+      </mc:AlternateContent>
     </p:spTree>
     <p:extLst>
       <p:ext uri="{BB962C8B-B14F-4D97-AF65-F5344CB8AC3E}">
